--- a/conference20190424.pptx
+++ b/conference20190424.pptx
@@ -1542,7 +1542,7 @@
             <a:fld id="{D040669A-0219-4119-ABD5-C364860DBEDE}" type="datetimeFigureOut">
               <a:rPr lang="zh-TW" altLang="en-US" smtClean="0"/>
               <a:pPr/>
-              <a:t>2019/4/24</a:t>
+              <a:t>2019/5/8</a:t>
             </a:fld>
             <a:endParaRPr lang="zh-TW" altLang="en-US"/>
           </a:p>
@@ -3019,7 +3019,7 @@
           <a:p>
             <a:fld id="{55C6B4A9-1611-4792-9094-5F34BCA07E0B}" type="datetimeFigureOut">
               <a:rPr lang="en-US" smtClean="0"/>
-              <a:t>4/24/2019</a:t>
+              <a:t>5/8/2019</a:t>
             </a:fld>
             <a:endParaRPr lang="en-US" dirty="0"/>
           </a:p>
@@ -4480,7 +4480,7 @@
             <a:fld id="{B61BEF0D-F0BB-DE4B-95CE-6DB70DBA9567}" type="datetimeFigureOut">
               <a:rPr lang="en-US" smtClean="0"/>
               <a:pPr/>
-              <a:t>4/24/2019</a:t>
+              <a:t>5/8/2019</a:t>
             </a:fld>
             <a:endParaRPr lang="en-US" dirty="0"/>
           </a:p>
@@ -5983,7 +5983,7 @@
             <a:fld id="{D040669A-0219-4119-ABD5-C364860DBEDE}" type="datetimeFigureOut">
               <a:rPr lang="zh-TW" altLang="en-US" smtClean="0"/>
               <a:pPr/>
-              <a:t>2019/4/24</a:t>
+              <a:t>2019/5/8</a:t>
             </a:fld>
             <a:endParaRPr lang="zh-TW" altLang="en-US"/>
           </a:p>
@@ -7514,7 +7514,7 @@
             <a:fld id="{B61BEF0D-F0BB-DE4B-95CE-6DB70DBA9567}" type="datetimeFigureOut">
               <a:rPr lang="en-US" smtClean="0"/>
               <a:pPr/>
-              <a:t>4/24/2019</a:t>
+              <a:t>5/8/2019</a:t>
             </a:fld>
             <a:endParaRPr lang="en-US" dirty="0"/>
           </a:p>
@@ -9042,7 +9042,7 @@
           <a:p>
             <a:fld id="{EB712588-04B1-427B-82EE-E8DB90309F08}" type="datetimeFigureOut">
               <a:rPr lang="en-US" smtClean="0"/>
-              <a:t>4/24/2019</a:t>
+              <a:t>5/8/2019</a:t>
             </a:fld>
             <a:endParaRPr lang="en-US" dirty="0"/>
           </a:p>
@@ -10715,7 +10715,7 @@
             <a:fld id="{B61BEF0D-F0BB-DE4B-95CE-6DB70DBA9567}" type="datetimeFigureOut">
               <a:rPr lang="en-US" smtClean="0"/>
               <a:pPr/>
-              <a:t>4/24/2019</a:t>
+              <a:t>5/8/2019</a:t>
             </a:fld>
             <a:endParaRPr lang="en-US" dirty="0"/>
           </a:p>
@@ -12121,7 +12121,7 @@
             <a:fld id="{B61BEF0D-F0BB-DE4B-95CE-6DB70DBA9567}" type="datetimeFigureOut">
               <a:rPr lang="en-US" smtClean="0"/>
               <a:pPr/>
-              <a:t>4/24/2019</a:t>
+              <a:t>5/8/2019</a:t>
             </a:fld>
             <a:endParaRPr lang="en-US" dirty="0"/>
           </a:p>
@@ -12229,7 +12229,7 @@
             <a:fld id="{B61BEF0D-F0BB-DE4B-95CE-6DB70DBA9567}" type="datetimeFigureOut">
               <a:rPr lang="en-US" smtClean="0"/>
               <a:pPr/>
-              <a:t>4/24/2019</a:t>
+              <a:t>5/8/2019</a:t>
             </a:fld>
             <a:endParaRPr lang="en-US" dirty="0"/>
           </a:p>
@@ -13762,7 +13762,7 @@
           <a:p>
             <a:fld id="{42A54C80-263E-416B-A8E0-580EDEADCBDC}" type="datetimeFigureOut">
               <a:rPr lang="en-US" smtClean="0"/>
-              <a:t>4/24/2019</a:t>
+              <a:t>5/8/2019</a:t>
             </a:fld>
             <a:endParaRPr lang="en-US" dirty="0"/>
           </a:p>
@@ -15306,7 +15306,7 @@
             <a:fld id="{B61BEF0D-F0BB-DE4B-95CE-6DB70DBA9567}" type="datetimeFigureOut">
               <a:rPr lang="en-US" smtClean="0"/>
               <a:pPr/>
-              <a:t>4/24/2019</a:t>
+              <a:t>5/8/2019</a:t>
             </a:fld>
             <a:endParaRPr lang="en-US" dirty="0"/>
           </a:p>
@@ -15572,7 +15572,7 @@
             <a:fld id="{B61BEF0D-F0BB-DE4B-95CE-6DB70DBA9567}" type="datetimeFigureOut">
               <a:rPr lang="en-US" smtClean="0"/>
               <a:pPr/>
-              <a:t>4/24/2019</a:t>
+              <a:t>5/8/2019</a:t>
             </a:fld>
             <a:endParaRPr lang="en-US" dirty="0"/>
           </a:p>
@@ -16683,7 +16683,7 @@
                     <a:lstStyle/>
                     <a:p>
                       <a:pPr marL="0" algn="l" defTabSz="914400" rtl="0" eaLnBrk="1" latinLnBrk="0" hangingPunct="1"/>
-                      <a:endParaRPr lang="zh-TW" altLang="en-US" sz="4000" b="0" kern="1200">
+                      <a:endParaRPr lang="zh-TW" altLang="en-US" sz="4000" b="0" kern="1200" dirty="0">
                         <a:solidFill>
                           <a:schemeClr val="tx1"/>
                         </a:solidFill>
